--- a/RXJS.pptx
+++ b/RXJS.pptx
@@ -8677,12 +8677,12 @@
               </a:lnSpc>
             </a:pPr>
             <a:r>
-              <a:rPr lang="en-US" sz="3200" dirty="0" err="1">
+              <a:rPr lang="en-US" sz="3200" dirty="0">
                 <a:latin typeface="Calibri" panose="020F0502020204030204" pitchFamily="34" charset="0"/>
                 <a:ea typeface="Calibri" panose="020F0502020204030204" pitchFamily="34" charset="0"/>
                 <a:cs typeface="Times New Roman" panose="02020603050405020304" pitchFamily="18" charset="0"/>
               </a:rPr>
-              <a:t>xh</a:t>
+              <a:t>2h</a:t>
             </a:r>
             <a:endParaRPr lang="en-BE" sz="3200" dirty="0">
               <a:effectLst/>
